--- a/#2_Introduction_to_Python.pptx
+++ b/#2_Introduction_to_Python.pptx
@@ -335,7 +335,7 @@
                 <a:ea typeface="SimSun" panose="02010600030101010101" pitchFamily="2" charset="-122"/>
                 <a:cs typeface="+mn-cs"/>
               </a:rPr>
-              <a:t>2021/10/2</a:t>
+              <a:t>2025/1/7</a:t>
             </a:fld>
             <a:endParaRPr lang="zh-CN" altLang="en-US" strike="noStrike" noProof="1"/>
           </a:p>
@@ -689,7 +689,7 @@
               <a:defRPr/>
             </a:pPr>
             <a:r>
-              <a:rPr kumimoji="0" lang="zh-CN" altLang="en-US" sz="1200" b="0" i="0" u="none" strike="noStrike" kern="1200" cap="none" spc="0" normalizeH="0" baseline="0" noProof="0" smtClean="0">
+              <a:rPr kumimoji="0" lang="zh-CN" altLang="en-US" sz="1200" b="0" i="0" u="none" strike="noStrike" kern="1200" cap="none" spc="0" normalizeH="0" baseline="0" noProof="0">
                 <a:ln>
                   <a:noFill/>
                 </a:ln>
@@ -724,7 +724,7 @@
               <a:defRPr/>
             </a:pPr>
             <a:r>
-              <a:rPr kumimoji="0" lang="zh-CN" altLang="en-US" sz="1200" b="0" i="0" u="none" strike="noStrike" kern="1200" cap="none" spc="0" normalizeH="0" baseline="0" noProof="0" smtClean="0">
+              <a:rPr kumimoji="0" lang="zh-CN" altLang="en-US" sz="1200" b="0" i="0" u="none" strike="noStrike" kern="1200" cap="none" spc="0" normalizeH="0" baseline="0" noProof="0">
                 <a:ln>
                   <a:noFill/>
                 </a:ln>
@@ -759,7 +759,7 @@
               <a:defRPr/>
             </a:pPr>
             <a:r>
-              <a:rPr kumimoji="0" lang="zh-CN" altLang="en-US" sz="1200" b="0" i="0" u="none" strike="noStrike" kern="1200" cap="none" spc="0" normalizeH="0" baseline="0" noProof="0" smtClean="0">
+              <a:rPr kumimoji="0" lang="zh-CN" altLang="en-US" sz="1200" b="0" i="0" u="none" strike="noStrike" kern="1200" cap="none" spc="0" normalizeH="0" baseline="0" noProof="0">
                 <a:ln>
                   <a:noFill/>
                 </a:ln>
@@ -794,7 +794,7 @@
               <a:defRPr/>
             </a:pPr>
             <a:r>
-              <a:rPr kumimoji="0" lang="zh-CN" altLang="en-US" sz="1200" b="0" i="0" u="none" strike="noStrike" kern="1200" cap="none" spc="0" normalizeH="0" baseline="0" noProof="0" smtClean="0">
+              <a:rPr kumimoji="0" lang="zh-CN" altLang="en-US" sz="1200" b="0" i="0" u="none" strike="noStrike" kern="1200" cap="none" spc="0" normalizeH="0" baseline="0" noProof="0">
                 <a:ln>
                   <a:noFill/>
                 </a:ln>
@@ -3480,28 +3480,28 @@
           <a:p>
             <a:pPr lvl="0" fontAlgn="base"/>
             <a:r>
-              <a:rPr lang="zh-CN" altLang="en-US" strike="noStrike" noProof="1" smtClean="0"/>
+              <a:rPr lang="zh-CN" altLang="en-US" strike="noStrike" noProof="1"/>
               <a:t>Click to edit Master text style</a:t>
             </a:r>
           </a:p>
           <a:p>
             <a:pPr lvl="1" fontAlgn="base"/>
             <a:r>
-              <a:rPr lang="zh-CN" altLang="en-US" strike="noStrike" noProof="1" smtClean="0"/>
+              <a:rPr lang="zh-CN" altLang="en-US" strike="noStrike" noProof="1"/>
               <a:t>Second level</a:t>
             </a:r>
           </a:p>
           <a:p>
             <a:pPr lvl="2" fontAlgn="base"/>
             <a:r>
-              <a:rPr lang="zh-CN" altLang="en-US" strike="noStrike" noProof="1" smtClean="0"/>
+              <a:rPr lang="zh-CN" altLang="en-US" strike="noStrike" noProof="1"/>
               <a:t>Third level</a:t>
             </a:r>
           </a:p>
           <a:p>
             <a:pPr lvl="3" fontAlgn="base"/>
             <a:r>
-              <a:rPr lang="zh-CN" altLang="en-US" strike="noStrike" noProof="1" smtClean="0"/>
+              <a:rPr lang="zh-CN" altLang="en-US" strike="noStrike" noProof="1"/>
               <a:t>Fourth level</a:t>
             </a:r>
           </a:p>
@@ -3974,28 +3974,28 @@
           <a:p>
             <a:pPr lvl="0" fontAlgn="base"/>
             <a:r>
-              <a:rPr lang="zh-CN" altLang="en-US" strike="noStrike" noProof="1" smtClean="0"/>
+              <a:rPr lang="zh-CN" altLang="en-US" strike="noStrike" noProof="1"/>
               <a:t>Click to edit Master text style</a:t>
             </a:r>
           </a:p>
           <a:p>
             <a:pPr lvl="1" fontAlgn="base"/>
             <a:r>
-              <a:rPr lang="zh-CN" altLang="en-US" strike="noStrike" noProof="1" smtClean="0"/>
+              <a:rPr lang="zh-CN" altLang="en-US" strike="noStrike" noProof="1"/>
               <a:t>Second level</a:t>
             </a:r>
           </a:p>
           <a:p>
             <a:pPr lvl="2" fontAlgn="base"/>
             <a:r>
-              <a:rPr lang="zh-CN" altLang="en-US" strike="noStrike" noProof="1" smtClean="0"/>
+              <a:rPr lang="zh-CN" altLang="en-US" strike="noStrike" noProof="1"/>
               <a:t>Third level</a:t>
             </a:r>
           </a:p>
           <a:p>
             <a:pPr lvl="3" fontAlgn="base"/>
             <a:r>
-              <a:rPr lang="zh-CN" altLang="en-US" strike="noStrike" noProof="1" smtClean="0"/>
+              <a:rPr lang="zh-CN" altLang="en-US" strike="noStrike" noProof="1"/>
               <a:t>Fourth level</a:t>
             </a:r>
           </a:p>
@@ -10839,27 +10839,8 @@
                 <a:ea typeface="Microsoft YaHei" panose="020B0503020204020204" pitchFamily="34" charset="-122"/>
                 <a:sym typeface="Arial" panose="020B0604020202020204" pitchFamily="34" charset="0"/>
               </a:rPr>
-              <a:t>What you </a:t>
+              <a:t>What you learn ? </a:t>
             </a:r>
-            <a:r>
-              <a:rPr lang="en-US" altLang="zh-CN" sz="4000" b="1" dirty="0" smtClean="0">
-                <a:solidFill>
-                  <a:srgbClr val="262626"/>
-                </a:solidFill>
-                <a:latin typeface="Arial" panose="020B0604020202020204" pitchFamily="34" charset="0"/>
-                <a:ea typeface="Microsoft YaHei" panose="020B0503020204020204" pitchFamily="34" charset="-122"/>
-                <a:sym typeface="Arial" panose="020B0604020202020204" pitchFamily="34" charset="0"/>
-              </a:rPr>
-              <a:t>learn ? </a:t>
-            </a:r>
-            <a:endParaRPr lang="en-US" altLang="zh-CN" sz="4000" b="1" dirty="0">
-              <a:solidFill>
-                <a:srgbClr val="262626"/>
-              </a:solidFill>
-              <a:latin typeface="Arial" panose="020B0604020202020204" pitchFamily="34" charset="0"/>
-              <a:ea typeface="Microsoft YaHei" panose="020B0503020204020204" pitchFamily="34" charset="-122"/>
-              <a:sym typeface="Arial" panose="020B0604020202020204" pitchFamily="34" charset="0"/>
-            </a:endParaRPr>
           </a:p>
         </p:txBody>
       </p:sp>
@@ -10919,8 +10900,20 @@
                 <a:tableStyleId>{EB9631B5-78F2-41C9-869B-9F39066F8104}</a:tableStyleId>
               </a:tblPr>
               <a:tblGrid>
-                <a:gridCol w="5104263"/>
-                <a:gridCol w="5104263"/>
+                <a:gridCol w="5104263">
+                  <a:extLst>
+                    <a:ext uri="{9D8B030D-6E8A-4147-A177-3AD203B41FA5}">
+                      <a16:colId xmlns:a16="http://schemas.microsoft.com/office/drawing/2014/main" val="20000"/>
+                    </a:ext>
+                  </a:extLst>
+                </a:gridCol>
+                <a:gridCol w="5104263">
+                  <a:extLst>
+                    <a:ext uri="{9D8B030D-6E8A-4147-A177-3AD203B41FA5}">
+                      <a16:colId xmlns:a16="http://schemas.microsoft.com/office/drawing/2014/main" val="20001"/>
+                    </a:ext>
+                  </a:extLst>
+                </a:gridCol>
               </a:tblGrid>
               <a:tr h="373473">
                 <a:tc gridSpan="2">
@@ -10930,7 +10923,7 @@
                     <a:p>
                       <a:pPr algn="ctr"/>
                       <a:r>
-                        <a:rPr lang="en-US" sz="2400" dirty="0" smtClean="0">
+                        <a:rPr lang="en-US" sz="2400" dirty="0">
                           <a:solidFill>
                             <a:schemeClr val="tx1"/>
                           </a:solidFill>
@@ -10939,13 +10932,6 @@
                         </a:rPr>
                         <a:t>Introduction to Python</a:t>
                       </a:r>
-                      <a:endParaRPr lang="en-US" sz="2400" dirty="0">
-                        <a:solidFill>
-                          <a:schemeClr val="tx1"/>
-                        </a:solidFill>
-                        <a:latin typeface="Verdana" panose="020B0604030504040204" pitchFamily="34" charset="0"/>
-                        <a:ea typeface="Verdana" panose="020B0604030504040204" pitchFamily="34" charset="0"/>
-                      </a:endParaRPr>
                     </a:p>
                   </a:txBody>
                   <a:tcPr/>
@@ -10960,6 +10946,11 @@
                   </a:txBody>
                   <a:tcPr/>
                 </a:tc>
+                <a:extLst>
+                  <a:ext uri="{0D108BD9-81ED-4DB2-BD59-A6C34878D82A}">
+                    <a16:rowId xmlns:a16="http://schemas.microsoft.com/office/drawing/2014/main" val="10000"/>
+                  </a:ext>
+                </a:extLst>
               </a:tr>
               <a:tr h="373473">
                 <a:tc>
@@ -10972,11 +10963,11 @@
                         <a:buChar char="Ø"/>
                       </a:pPr>
                       <a:r>
-                        <a:rPr lang="en-US" sz="2400" dirty="0" smtClean="0"/>
+                        <a:rPr lang="en-US" sz="2400" dirty="0"/>
                         <a:t>How to install </a:t>
                       </a:r>
                       <a:r>
-                        <a:rPr lang="en-US" sz="2400" smtClean="0"/>
+                        <a:rPr lang="en-US" sz="2400"/>
                         <a:t>Python 3.9.x</a:t>
                       </a:r>
                       <a:endParaRPr lang="en-US" sz="2400" dirty="0"/>
@@ -10994,14 +10985,18 @@
                         <a:buChar char="Ø"/>
                       </a:pPr>
                       <a:r>
-                        <a:rPr lang="en-US" sz="2400" dirty="0" smtClean="0"/>
+                        <a:rPr lang="en-US" sz="2400" dirty="0"/>
                         <a:t>Scope of Python</a:t>
                       </a:r>
-                      <a:endParaRPr lang="en-US" sz="2400" dirty="0"/>
                     </a:p>
                   </a:txBody>
                   <a:tcPr/>
                 </a:tc>
+                <a:extLst>
+                  <a:ext uri="{0D108BD9-81ED-4DB2-BD59-A6C34878D82A}">
+                    <a16:rowId xmlns:a16="http://schemas.microsoft.com/office/drawing/2014/main" val="10001"/>
+                  </a:ext>
+                </a:extLst>
               </a:tr>
               <a:tr h="373473">
                 <a:tc>
@@ -11014,10 +11009,9 @@
                         <a:buChar char="Ø"/>
                       </a:pPr>
                       <a:r>
-                        <a:rPr lang="en-US" sz="2400" dirty="0" smtClean="0"/>
+                        <a:rPr lang="en-US" sz="2400" dirty="0"/>
                         <a:t>How to use VS-Code for python</a:t>
                       </a:r>
-                      <a:endParaRPr lang="en-US" sz="2400" dirty="0"/>
                     </a:p>
                   </a:txBody>
                   <a:tcPr/>
@@ -11032,14 +11026,18 @@
                         <a:buChar char="Ø"/>
                       </a:pPr>
                       <a:r>
-                        <a:rPr lang="en-US" sz="2400" dirty="0" smtClean="0"/>
+                        <a:rPr lang="en-US" sz="2400" dirty="0"/>
                         <a:t>Why do people use Python?</a:t>
                       </a:r>
-                      <a:endParaRPr lang="en-US" sz="2400" dirty="0"/>
                     </a:p>
                   </a:txBody>
                   <a:tcPr/>
                 </a:tc>
+                <a:extLst>
+                  <a:ext uri="{0D108BD9-81ED-4DB2-BD59-A6C34878D82A}">
+                    <a16:rowId xmlns:a16="http://schemas.microsoft.com/office/drawing/2014/main" val="10002"/>
+                  </a:ext>
+                </a:extLst>
               </a:tr>
               <a:tr h="373473">
                 <a:tc>
@@ -11052,10 +11050,9 @@
                         <a:buChar char="Ø"/>
                       </a:pPr>
                       <a:r>
-                        <a:rPr lang="en-US" sz="2400" dirty="0" smtClean="0"/>
+                        <a:rPr lang="en-US" sz="2400" dirty="0"/>
                         <a:t>What is Python</a:t>
                       </a:r>
-                      <a:endParaRPr lang="en-US" sz="2400" dirty="0"/>
                     </a:p>
                   </a:txBody>
                   <a:tcPr/>
@@ -11070,14 +11067,18 @@
                         <a:buChar char="Ø"/>
                       </a:pPr>
                       <a:r>
-                        <a:rPr lang="en-US" sz="2400" dirty="0" smtClean="0"/>
+                        <a:rPr lang="en-US" sz="2400" dirty="0"/>
                         <a:t>Python Keyword</a:t>
                       </a:r>
-                      <a:endParaRPr lang="en-US" sz="2400" dirty="0"/>
                     </a:p>
                   </a:txBody>
                   <a:tcPr/>
                 </a:tc>
+                <a:extLst>
+                  <a:ext uri="{0D108BD9-81ED-4DB2-BD59-A6C34878D82A}">
+                    <a16:rowId xmlns:a16="http://schemas.microsoft.com/office/drawing/2014/main" val="10003"/>
+                  </a:ext>
+                </a:extLst>
               </a:tr>
               <a:tr h="373473">
                 <a:tc>
@@ -11090,10 +11091,9 @@
                         <a:buChar char="Ø"/>
                       </a:pPr>
                       <a:r>
-                        <a:rPr lang="en-US" sz="2400" dirty="0" smtClean="0"/>
+                        <a:rPr lang="en-US" sz="2400" dirty="0"/>
                         <a:t>History of Python</a:t>
                       </a:r>
-                      <a:endParaRPr lang="en-US" sz="2400" dirty="0"/>
                     </a:p>
                   </a:txBody>
                   <a:tcPr/>
@@ -11108,14 +11108,18 @@
                         <a:buChar char="Ø"/>
                       </a:pPr>
                       <a:r>
-                        <a:rPr lang="en-US" sz="2400" dirty="0" smtClean="0"/>
+                        <a:rPr lang="en-US" sz="2400" dirty="0"/>
                         <a:t>Python Identifiers</a:t>
                       </a:r>
-                      <a:endParaRPr lang="en-US" sz="2400" dirty="0"/>
                     </a:p>
                   </a:txBody>
                   <a:tcPr/>
                 </a:tc>
+                <a:extLst>
+                  <a:ext uri="{0D108BD9-81ED-4DB2-BD59-A6C34878D82A}">
+                    <a16:rowId xmlns:a16="http://schemas.microsoft.com/office/drawing/2014/main" val="10004"/>
+                  </a:ext>
+                </a:extLst>
               </a:tr>
               <a:tr h="373473">
                 <a:tc>
@@ -11128,10 +11132,9 @@
                         <a:buChar char="Ø"/>
                       </a:pPr>
                       <a:r>
-                        <a:rPr lang="en-US" sz="2400" dirty="0" smtClean="0"/>
+                        <a:rPr lang="en-US" sz="2400" dirty="0"/>
                         <a:t>Python Comments</a:t>
                       </a:r>
-                      <a:endParaRPr lang="en-US" sz="2400" dirty="0"/>
                     </a:p>
                   </a:txBody>
                   <a:tcPr/>
@@ -11146,14 +11149,18 @@
                         <a:buChar char="Ø"/>
                       </a:pPr>
                       <a:r>
-                        <a:rPr lang="en-US" sz="2400" dirty="0" smtClean="0"/>
+                        <a:rPr lang="en-US" sz="2400" dirty="0"/>
                         <a:t>Python Variables</a:t>
                       </a:r>
-                      <a:endParaRPr lang="en-US" sz="2400" dirty="0"/>
                     </a:p>
                   </a:txBody>
                   <a:tcPr/>
                 </a:tc>
+                <a:extLst>
+                  <a:ext uri="{0D108BD9-81ED-4DB2-BD59-A6C34878D82A}">
+                    <a16:rowId xmlns:a16="http://schemas.microsoft.com/office/drawing/2014/main" val="10005"/>
+                  </a:ext>
+                </a:extLst>
               </a:tr>
               <a:tr h="373473">
                 <a:tc>
@@ -11166,10 +11173,9 @@
                         <a:buChar char="Ø"/>
                       </a:pPr>
                       <a:r>
-                        <a:rPr lang="en-US" sz="2400" dirty="0" smtClean="0"/>
+                        <a:rPr lang="en-US" sz="2400" dirty="0"/>
                         <a:t>Python Indentation</a:t>
                       </a:r>
-                      <a:endParaRPr lang="en-US" sz="2400" dirty="0"/>
                     </a:p>
                   </a:txBody>
                   <a:tcPr/>
@@ -11184,14 +11190,18 @@
                         <a:buChar char="Ø"/>
                       </a:pPr>
                       <a:r>
-                        <a:rPr lang="en-US" sz="2400" dirty="0" smtClean="0"/>
+                        <a:rPr lang="en-US" sz="2400" dirty="0"/>
                         <a:t>Python Literals</a:t>
                       </a:r>
-                      <a:endParaRPr lang="en-US" sz="2400" dirty="0"/>
                     </a:p>
                   </a:txBody>
                   <a:tcPr/>
                 </a:tc>
+                <a:extLst>
+                  <a:ext uri="{0D108BD9-81ED-4DB2-BD59-A6C34878D82A}">
+                    <a16:rowId xmlns:a16="http://schemas.microsoft.com/office/drawing/2014/main" val="10006"/>
+                  </a:ext>
+                </a:extLst>
               </a:tr>
               <a:tr h="373473">
                 <a:tc>
@@ -11214,14 +11224,18 @@
                         <a:buChar char="Ø"/>
                       </a:pPr>
                       <a:r>
-                        <a:rPr lang="en-US" sz="2400" dirty="0" smtClean="0"/>
+                        <a:rPr lang="en-US" sz="2400" dirty="0"/>
                         <a:t>Operators in Python</a:t>
                       </a:r>
-                      <a:endParaRPr lang="en-US" sz="2400" dirty="0"/>
                     </a:p>
                   </a:txBody>
                   <a:tcPr/>
                 </a:tc>
+                <a:extLst>
+                  <a:ext uri="{0D108BD9-81ED-4DB2-BD59-A6C34878D82A}">
+                    <a16:rowId xmlns:a16="http://schemas.microsoft.com/office/drawing/2014/main" val="10007"/>
+                  </a:ext>
+                </a:extLst>
               </a:tr>
               <a:tr h="373473">
                 <a:tc>
@@ -11244,6 +11258,11 @@
                   </a:txBody>
                   <a:tcPr/>
                 </a:tc>
+                <a:extLst>
+                  <a:ext uri="{0D108BD9-81ED-4DB2-BD59-A6C34878D82A}">
+                    <a16:rowId xmlns:a16="http://schemas.microsoft.com/office/drawing/2014/main" val="10008"/>
+                  </a:ext>
+                </a:extLst>
               </a:tr>
             </a:tbl>
           </a:graphicData>
@@ -11254,13 +11273,6 @@
   <p:clrMapOvr>
     <a:masterClrMapping/>
   </p:clrMapOvr>
-  <p:timing>
-    <p:tnLst>
-      <p:par>
-        <p:cTn id="1" dur="indefinite" restart="never" nodeType="tmRoot"/>
-      </p:par>
-    </p:tnLst>
-  </p:timing>
 </p:sld>
 </file>
 
@@ -11877,13 +11889,6 @@
   <p:clrMapOvr>
     <a:masterClrMapping/>
   </p:clrMapOvr>
-  <p:timing>
-    <p:tnLst>
-      <p:par>
-        <p:cTn id="1" dur="indefinite" restart="never" nodeType="tmRoot"/>
-      </p:par>
-    </p:tnLst>
-  </p:timing>
 </p:sld>
 </file>
 
@@ -12395,55 +12400,30 @@
               <a:rPr lang="en-US" sz="3200" dirty="0"/>
               <a:t>pip is the package installer for Python. You can use pip to install packages from the Python Package Index </a:t>
             </a:r>
-            <a:endParaRPr lang="en-US" sz="3200" dirty="0" smtClean="0"/>
           </a:p>
           <a:p>
             <a:pPr algn="just"/>
-            <a:endParaRPr lang="en-US" sz="3200" dirty="0" smtClean="0"/>
+            <a:endParaRPr lang="en-US" sz="3200" dirty="0"/>
           </a:p>
           <a:p>
             <a:pPr algn="just"/>
             <a:r>
               <a:rPr lang="en-US" sz="3200" dirty="0"/>
-              <a:t>#</a:t>
-            </a:r>
-            <a:r>
-              <a:rPr lang="en-US" sz="3200" dirty="0" smtClean="0"/>
-              <a:t> pip </a:t>
-            </a:r>
-            <a:r>
-              <a:rPr lang="en-US" sz="3200" dirty="0"/>
-              <a:t>install </a:t>
-            </a:r>
-            <a:r>
-              <a:rPr lang="en-US" sz="3200" dirty="0" smtClean="0"/>
-              <a:t>some-package-name</a:t>
+              <a:t># pip install some-package-name</a:t>
             </a:r>
           </a:p>
           <a:p>
             <a:pPr algn="just"/>
             <a:r>
               <a:rPr lang="en-US" sz="3200" dirty="0"/>
-              <a:t># pip uninstall </a:t>
-            </a:r>
-            <a:r>
-              <a:rPr lang="en-US" sz="3200" dirty="0" smtClean="0"/>
-              <a:t>some-package-name</a:t>
+              <a:t># pip uninstall some-package-name</a:t>
             </a:r>
           </a:p>
           <a:p>
             <a:pPr algn="just"/>
             <a:r>
-              <a:rPr lang="en-US" sz="3200" dirty="0" smtClean="0"/>
-              <a:t># pip </a:t>
-            </a:r>
-            <a:r>
               <a:rPr lang="en-US" sz="3200" dirty="0"/>
-              <a:t>freeze &gt; </a:t>
-            </a:r>
-            <a:r>
-              <a:rPr lang="en-US" sz="3200" dirty="0" smtClean="0"/>
-              <a:t>requirements.txt</a:t>
+              <a:t># pip freeze &gt; requirements.txt</a:t>
             </a:r>
           </a:p>
           <a:p>
@@ -12452,7 +12432,6 @@
               <a:rPr lang="en-US" sz="3200" dirty="0"/>
               <a:t># pip install -r requirements.txt</a:t>
             </a:r>
-            <a:endParaRPr lang="en-US" sz="3200" dirty="0" smtClean="0"/>
           </a:p>
           <a:p>
             <a:pPr algn="just"/>
@@ -12477,13 +12456,6 @@
   <p:clrMapOvr>
     <a:masterClrMapping/>
   </p:clrMapOvr>
-  <p:timing>
-    <p:tnLst>
-      <p:par>
-        <p:cTn id="1" dur="indefinite" restart="never" nodeType="tmRoot"/>
-      </p:par>
-    </p:tnLst>
-  </p:timing>
 </p:sld>
 </file>
 
@@ -12999,11 +12971,7 @@
             </a:pPr>
             <a:r>
               <a:rPr lang="en-US" sz="2400" dirty="0"/>
-              <a:t>when you install Python, an IDE named IDLE is also installed. You can use it to run Python on your computer. It's a decent IDE for beginners</a:t>
-            </a:r>
-            <a:r>
-              <a:rPr lang="en-US" sz="2400" dirty="0" smtClean="0"/>
-              <a:t>.</a:t>
+              <a:t>when you install Python, an IDE named IDLE is also installed. You can use it to run Python on your computer. It's a decent IDE for beginners.</a:t>
             </a:r>
           </a:p>
           <a:p>
@@ -13024,16 +12992,10 @@
               <a:rPr lang="en-US" sz="2400" dirty="0">
                 <a:hlinkClick r:id="rId3"/>
               </a:rPr>
-              <a:t>https://code.visualstudio.com</a:t>
+              <a:t>https://code.visualstudio.com/</a:t>
             </a:r>
             <a:r>
-              <a:rPr lang="en-US" sz="2400" dirty="0" smtClean="0">
-                <a:hlinkClick r:id="rId3"/>
-              </a:rPr>
-              <a:t>/</a:t>
-            </a:r>
-            <a:r>
-              <a:rPr lang="en-US" sz="2400" dirty="0" smtClean="0"/>
+              <a:rPr lang="en-US" sz="2400" dirty="0"/>
               <a:t> which have more functionality </a:t>
             </a:r>
           </a:p>
@@ -13043,13 +13005,8 @@
             </a:pPr>
             <a:r>
               <a:rPr lang="en-US" sz="2400" dirty="0"/>
-              <a:t>t</a:t>
+              <a:t>to write program.</a:t>
             </a:r>
-            <a:r>
-              <a:rPr lang="en-US" sz="2400" dirty="0" smtClean="0"/>
-              <a:t>o write program.</a:t>
-            </a:r>
-            <a:endParaRPr lang="en-US" sz="2400" dirty="0"/>
           </a:p>
         </p:txBody>
       </p:sp>
@@ -13079,7 +13036,7 @@
           <a:lstStyle/>
           <a:p>
             <a:r>
-              <a:rPr lang="en-US" sz="4000" b="1" dirty="0" smtClean="0">
+              <a:rPr lang="en-US" sz="4000" b="1" dirty="0">
                 <a:solidFill>
                   <a:srgbClr val="262626"/>
                 </a:solidFill>
@@ -13088,13 +13045,6 @@
               </a:rPr>
               <a:t>VS Code IDE</a:t>
             </a:r>
-            <a:endParaRPr lang="en-US" sz="4000" b="1" dirty="0">
-              <a:solidFill>
-                <a:srgbClr val="262626"/>
-              </a:solidFill>
-              <a:latin typeface="Arial" panose="020B0604020202020204" pitchFamily="34" charset="0"/>
-              <a:ea typeface="Microsoft YaHei" panose="020B0503020204020204" pitchFamily="34" charset="-122"/>
-            </a:endParaRPr>
           </a:p>
         </p:txBody>
       </p:sp>
@@ -13108,13 +13058,6 @@
   <p:clrMapOvr>
     <a:masterClrMapping/>
   </p:clrMapOvr>
-  <p:timing>
-    <p:tnLst>
-      <p:par>
-        <p:cTn id="1" dur="indefinite" restart="never" nodeType="tmRoot"/>
-      </p:par>
-    </p:tnLst>
-  </p:timing>
 </p:sld>
 </file>
 
@@ -13561,15 +13504,7 @@
           <a:p>
             <a:r>
               <a:rPr lang="en-US" sz="2400" dirty="0"/>
-              <a:t>A code block (body of a function, loop etc.) starts with indentation and ends with the first </a:t>
-            </a:r>
-            <a:r>
-              <a:rPr lang="en-US" sz="2400" dirty="0" smtClean="0"/>
-              <a:t>unindented </a:t>
-            </a:r>
-            <a:r>
-              <a:rPr lang="en-US" sz="2400" dirty="0"/>
-              <a:t>line. The amount of indentation is up to you, but it must be consistent throughout that block.</a:t>
+              <a:t>A code block (body of a function, loop etc.) starts with indentation and ends with the first unindented line. The amount of indentation is up to you, but it must be consistent throughout that block.</a:t>
             </a:r>
           </a:p>
           <a:p>
@@ -13708,13 +13643,6 @@
   <p:clrMapOvr>
     <a:masterClrMapping/>
   </p:clrMapOvr>
-  <p:timing>
-    <p:tnLst>
-      <p:par>
-        <p:cTn id="1" dur="indefinite" restart="never" nodeType="tmRoot"/>
-      </p:par>
-    </p:tnLst>
-  </p:timing>
 </p:sld>
 </file>
 
@@ -14116,7 +14044,7 @@
           <p:nvPr/>
         </p:nvPicPr>
         <p:blipFill>
-          <a:blip r:embed="rId3"/>
+          <a:blip r:embed="rId2"/>
           <a:stretch>
             <a:fillRect/>
           </a:stretch>
@@ -14213,13 +14141,8 @@
           <a:p>
             <a:r>
               <a:rPr lang="en-US" sz="2400" dirty="0"/>
-              <a:t>We cannot use a keyword as a variable name, function name or any other identifier. They are used to define the syntax and structure of the Python language.In Python, keywords are case sensitive.There are 35 keywords in Python </a:t>
+              <a:t>We cannot use a keyword as a variable name, function name or any other identifier. They are used to define the syntax and structure of the Python language.In Python, keywords are case sensitive.There are 35 keywords in Python 3.8.5</a:t>
             </a:r>
-            <a:r>
-              <a:rPr lang="en-US" sz="2400" dirty="0" smtClean="0"/>
-              <a:t>3.8.5</a:t>
-            </a:r>
-            <a:endParaRPr lang="en-US" sz="2400" dirty="0"/>
           </a:p>
         </p:txBody>
       </p:sp>
@@ -14237,12 +14160,12 @@
           <a:graphicData uri="http://schemas.openxmlformats.org/presentationml/2006/ole">
             <mc:AlternateContent xmlns:mc="http://schemas.openxmlformats.org/markup-compatibility/2006">
               <mc:Choice xmlns:v="urn:schemas-microsoft-com:vml" Requires="v">
-                <p:oleObj spid="_x0000_s2080" r:id="rId4" imgW="4562475" imgH="1466850" progId="Paint.Picture">
+                <p:oleObj r:id="rId3" imgW="4562475" imgH="1466850" progId="Paint.Picture">
                   <p:embed/>
                 </p:oleObj>
               </mc:Choice>
               <mc:Fallback>
-                <p:oleObj r:id="rId4" imgW="4562475" imgH="1466850" progId="Paint.Picture">
+                <p:oleObj r:id="rId3" imgW="4562475" imgH="1466850" progId="Paint.Picture">
                   <p:embed/>
                   <p:pic>
                     <p:nvPicPr>
@@ -14251,7 +14174,7 @@
                       <p:nvPr/>
                     </p:nvPicPr>
                     <p:blipFill>
-                      <a:blip r:embed="rId5"/>
+                      <a:blip r:embed="rId4"/>
                       <a:stretch>
                         <a:fillRect/>
                       </a:stretch>
@@ -14313,13 +14236,6 @@
   <p:clrMapOvr>
     <a:masterClrMapping/>
   </p:clrMapOvr>
-  <p:timing>
-    <p:tnLst>
-      <p:par>
-        <p:cTn id="1" dur="indefinite" restart="never" nodeType="tmRoot"/>
-      </p:par>
-    </p:tnLst>
-  </p:timing>
 </p:sld>
 </file>
 
@@ -14947,13 +14863,6 @@
   <p:clrMapOvr>
     <a:masterClrMapping/>
   </p:clrMapOvr>
-  <p:timing>
-    <p:tnLst>
-      <p:par>
-        <p:cTn id="1" dur="indefinite" restart="never" nodeType="tmRoot"/>
-      </p:par>
-    </p:tnLst>
-  </p:timing>
 </p:sld>
 </file>
 
@@ -15617,13 +15526,6 @@
   <p:clrMapOvr>
     <a:masterClrMapping/>
   </p:clrMapOvr>
-  <p:timing>
-    <p:tnLst>
-      <p:par>
-        <p:cTn id="1" dur="indefinite" restart="never" nodeType="tmRoot"/>
-      </p:par>
-    </p:tnLst>
-  </p:timing>
 </p:sld>
 </file>
 
@@ -16143,11 +16045,7 @@
             </a:pPr>
             <a:r>
               <a:rPr lang="en-US" sz="3200" dirty="0"/>
-              <a:t>Assigning values to Variable: </a:t>
-            </a:r>
-            <a:r>
-              <a:rPr lang="en-US" sz="3200" dirty="0" smtClean="0"/>
-              <a:t>x=30</a:t>
+              <a:t>Assigning values to Variable: x=30</a:t>
             </a:r>
           </a:p>
           <a:p>
@@ -16162,13 +16060,7 @@
               <a:rPr lang="en-US" sz="3200" dirty="0">
                 <a:sym typeface="+mn-ea"/>
               </a:rPr>
-              <a:t>Multiple Assignment: </a:t>
-            </a:r>
-            <a:r>
-              <a:rPr lang="en-US" sz="3200" dirty="0" smtClean="0">
-                <a:sym typeface="+mn-ea"/>
-              </a:rPr>
-              <a:t>x=y=z=30</a:t>
+              <a:t>Multiple Assignment: x=y=z=30</a:t>
             </a:r>
           </a:p>
           <a:p>
@@ -16176,27 +16068,15 @@
               <a:rPr lang="en-US" sz="3200" dirty="0">
                 <a:sym typeface="+mn-ea"/>
               </a:rPr>
-              <a:t> </a:t>
+              <a:t>                                               or</a:t>
             </a:r>
-            <a:r>
-              <a:rPr lang="en-US" sz="3200" dirty="0" smtClean="0">
-                <a:sym typeface="+mn-ea"/>
-              </a:rPr>
-              <a:t>                                              or</a:t>
-            </a:r>
-          </a:p>
-          <a:p>
-            <a:r>
-              <a:rPr lang="en-US" sz="3200" dirty="0" smtClean="0">
-                <a:sym typeface="+mn-ea"/>
-              </a:rPr>
-              <a:t>                                      </a:t>
-            </a:r>
+          </a:p>
+          <a:p>
             <a:r>
               <a:rPr lang="en-US" sz="3200" dirty="0">
                 <a:sym typeface="+mn-ea"/>
               </a:rPr>
-              <a:t>x,y,z=15,100,150 </a:t>
+              <a:t>                                      x,y,z=15,100,150 </a:t>
             </a:r>
           </a:p>
           <a:p>
@@ -16245,13 +16125,6 @@
   <p:clrMapOvr>
     <a:masterClrMapping/>
   </p:clrMapOvr>
-  <p:timing>
-    <p:tnLst>
-      <p:par>
-        <p:cTn id="1" dur="indefinite" restart="never" nodeType="tmRoot"/>
-      </p:par>
-    </p:tnLst>
-  </p:timing>
 </p:sld>
 </file>
 
@@ -16747,7 +16620,7 @@
             </a:pPr>
             <a:r>
               <a:rPr lang="en-US" sz="2800" b="1" dirty="0"/>
-              <a:t>Single lined comment:</a:t>
+              <a:t>Single line comment:</a:t>
             </a:r>
             <a:endParaRPr lang="en-US" sz="2800" dirty="0"/>
           </a:p>
@@ -16766,8 +16639,12 @@
               <a:buChar char="Ø"/>
             </a:pPr>
             <a:r>
+              <a:rPr lang="en-US" sz="2800" b="1"/>
+              <a:t>Multi line </a:t>
+            </a:r>
+            <a:r>
               <a:rPr lang="en-US" sz="2800" b="1" dirty="0"/>
-              <a:t>Multi lined Comment :</a:t>
+              <a:t>Comment :</a:t>
             </a:r>
             <a:endParaRPr lang="en-US" sz="2800" dirty="0"/>
           </a:p>
@@ -16775,42 +16652,14 @@
             <a:pPr algn="just"/>
             <a:r>
               <a:rPr lang="en-US" sz="2800" dirty="0"/>
-              <a:t>		 Unlike other programming languages Python doesn't support multi-line </a:t>
-            </a:r>
-            <a:r>
-              <a:rPr lang="en-US" sz="2800" dirty="0" smtClean="0"/>
-              <a:t>comment </a:t>
-            </a:r>
-            <a:r>
-              <a:rPr lang="en-US" sz="2800" dirty="0"/>
-              <a:t>blocks out of the box.</a:t>
+              <a:t>		 Unlike other programming languages Python doesn't support multi-line comment blocks out of the box.</a:t>
             </a:r>
           </a:p>
           <a:p>
             <a:pPr algn="just"/>
             <a:r>
               <a:rPr lang="en-US" sz="2800" dirty="0"/>
-              <a:t>    </a:t>
-            </a:r>
-            <a:r>
-              <a:rPr lang="en-US" sz="2800" dirty="0" smtClean="0"/>
-              <a:t>		 The </a:t>
-            </a:r>
-            <a:r>
-              <a:rPr lang="en-US" sz="2800" dirty="0"/>
-              <a:t>recommended way to comment out multiple lines of code in Python </a:t>
-            </a:r>
-            <a:r>
-              <a:rPr lang="en-US" sz="2800"/>
-              <a:t>is </a:t>
-            </a:r>
-            <a:r>
-              <a:rPr lang="en-US" sz="2800" smtClean="0"/>
-              <a:t>to </a:t>
-            </a:r>
-            <a:r>
-              <a:rPr lang="en-US" sz="2800" dirty="0"/>
-              <a:t>use consecutive # single-line comments.</a:t>
+              <a:t>    		 The recommended way to comment out multiple lines of code in Python is to use consecutive # single-line comments.</a:t>
             </a:r>
           </a:p>
         </p:txBody>
@@ -16856,13 +16705,6 @@
   <p:clrMapOvr>
     <a:masterClrMapping/>
   </p:clrMapOvr>
-  <p:timing>
-    <p:tnLst>
-      <p:par>
-        <p:cTn id="1" dur="indefinite" restart="never" nodeType="tmRoot"/>
-      </p:par>
-    </p:tnLst>
-  </p:timing>
 </p:sld>
 </file>
 
@@ -17264,7 +17106,7 @@
           <p:nvPr/>
         </p:nvPicPr>
         <p:blipFill>
-          <a:blip r:embed="rId3"/>
+          <a:blip r:embed="rId2"/>
           <a:stretch>
             <a:fillRect/>
           </a:stretch>
@@ -17365,12 +17207,12 @@
           <a:graphicData uri="http://schemas.openxmlformats.org/presentationml/2006/ole">
             <mc:AlternateContent xmlns:mc="http://schemas.openxmlformats.org/markup-compatibility/2006">
               <mc:Choice xmlns:v="urn:schemas-microsoft-com:vml" Requires="v">
-                <p:oleObj spid="_x0000_s3103" r:id="rId4" imgW="4438650" imgH="4010025" progId="Paint.Picture">
+                <p:oleObj r:id="rId3" imgW="4438650" imgH="4010025" progId="Paint.Picture">
                   <p:embed/>
                 </p:oleObj>
               </mc:Choice>
               <mc:Fallback>
-                <p:oleObj r:id="rId4" imgW="4438650" imgH="4010025" progId="Paint.Picture">
+                <p:oleObj r:id="rId3" imgW="4438650" imgH="4010025" progId="Paint.Picture">
                   <p:embed/>
                   <p:pic>
                     <p:nvPicPr>
@@ -17379,7 +17221,7 @@
                       <p:nvPr/>
                     </p:nvPicPr>
                     <p:blipFill>
-                      <a:blip r:embed="rId5"/>
+                      <a:blip r:embed="rId4"/>
                       <a:stretch>
                         <a:fillRect/>
                       </a:stretch>
@@ -17441,13 +17283,6 @@
   <p:clrMapOvr>
     <a:masterClrMapping/>
   </p:clrMapOvr>
-  <p:timing>
-    <p:tnLst>
-      <p:par>
-        <p:cTn id="1" dur="indefinite" restart="never" nodeType="tmRoot"/>
-      </p:par>
-    </p:tnLst>
-  </p:timing>
 </p:sld>
 </file>
 
@@ -18027,13 +17862,6 @@
   <p:clrMapOvr>
     <a:masterClrMapping/>
   </p:clrMapOvr>
-  <p:timing>
-    <p:tnLst>
-      <p:par>
-        <p:cTn id="1" dur="indefinite" restart="never" nodeType="tmRoot"/>
-      </p:par>
-    </p:tnLst>
-  </p:timing>
 </p:sld>
 </file>
 
@@ -18780,13 +18608,6 @@
   <p:clrMapOvr>
     <a:masterClrMapping/>
   </p:clrMapOvr>
-  <p:timing>
-    <p:tnLst>
-      <p:par>
-        <p:cTn id="1" dur="indefinite" restart="never" nodeType="tmRoot"/>
-      </p:par>
-    </p:tnLst>
-  </p:timing>
 </p:sld>
 </file>
 
@@ -19188,7 +19009,7 @@
           <p:nvPr/>
         </p:nvPicPr>
         <p:blipFill>
-          <a:blip r:embed="rId3"/>
+          <a:blip r:embed="rId2"/>
           <a:stretch>
             <a:fillRect/>
           </a:stretch>
@@ -19257,12 +19078,12 @@
           <a:graphicData uri="http://schemas.openxmlformats.org/presentationml/2006/ole">
             <mc:AlternateContent xmlns:mc="http://schemas.openxmlformats.org/markup-compatibility/2006">
               <mc:Choice xmlns:v="urn:schemas-microsoft-com:vml" Requires="v">
-                <p:oleObj spid="_x0000_s4127" r:id="rId4" imgW="7134225" imgH="5000625" progId="Paint.Picture">
+                <p:oleObj r:id="rId3" imgW="7134225" imgH="5000625" progId="Paint.Picture">
                   <p:embed/>
                 </p:oleObj>
               </mc:Choice>
               <mc:Fallback>
-                <p:oleObj r:id="rId4" imgW="7134225" imgH="5000625" progId="Paint.Picture">
+                <p:oleObj r:id="rId3" imgW="7134225" imgH="5000625" progId="Paint.Picture">
                   <p:embed/>
                   <p:pic>
                     <p:nvPicPr>
@@ -19271,7 +19092,7 @@
                       <p:nvPr/>
                     </p:nvPicPr>
                     <p:blipFill>
-                      <a:blip r:embed="rId5"/>
+                      <a:blip r:embed="rId4"/>
                       <a:stretch>
                         <a:fillRect/>
                       </a:stretch>
@@ -19333,13 +19154,6 @@
   <p:clrMapOvr>
     <a:masterClrMapping/>
   </p:clrMapOvr>
-  <p:timing>
-    <p:tnLst>
-      <p:par>
-        <p:cTn id="1" dur="indefinite" restart="never" nodeType="tmRoot"/>
-      </p:par>
-    </p:tnLst>
-  </p:timing>
 </p:sld>
 </file>
 
@@ -19741,7 +19555,7 @@
           <p:nvPr/>
         </p:nvPicPr>
         <p:blipFill>
-          <a:blip r:embed="rId3"/>
+          <a:blip r:embed="rId2"/>
           <a:stretch>
             <a:fillRect/>
           </a:stretch>
@@ -19810,12 +19624,12 @@
           <a:graphicData uri="http://schemas.openxmlformats.org/presentationml/2006/ole">
             <mc:AlternateContent xmlns:mc="http://schemas.openxmlformats.org/markup-compatibility/2006">
               <mc:Choice xmlns:v="urn:schemas-microsoft-com:vml" Requires="v">
-                <p:oleObj spid="_x0000_s5151" r:id="rId4" imgW="7134225" imgH="3571875" progId="Paint.Picture">
+                <p:oleObj r:id="rId3" imgW="7134225" imgH="3571875" progId="Paint.Picture">
                   <p:embed/>
                 </p:oleObj>
               </mc:Choice>
               <mc:Fallback>
-                <p:oleObj r:id="rId4" imgW="7134225" imgH="3571875" progId="Paint.Picture">
+                <p:oleObj r:id="rId3" imgW="7134225" imgH="3571875" progId="Paint.Picture">
                   <p:embed/>
                   <p:pic>
                     <p:nvPicPr>
@@ -19824,7 +19638,7 @@
                       <p:nvPr/>
                     </p:nvPicPr>
                     <p:blipFill>
-                      <a:blip r:embed="rId5"/>
+                      <a:blip r:embed="rId4"/>
                       <a:stretch>
                         <a:fillRect/>
                       </a:stretch>
@@ -19886,13 +19700,6 @@
   <p:clrMapOvr>
     <a:masterClrMapping/>
   </p:clrMapOvr>
-  <p:timing>
-    <p:tnLst>
-      <p:par>
-        <p:cTn id="1" dur="indefinite" restart="never" nodeType="tmRoot"/>
-      </p:par>
-    </p:tnLst>
-  </p:timing>
 </p:sld>
 </file>
 
@@ -20294,7 +20101,7 @@
           <p:nvPr/>
         </p:nvPicPr>
         <p:blipFill>
-          <a:blip r:embed="rId3"/>
+          <a:blip r:embed="rId2"/>
           <a:stretch>
             <a:fillRect/>
           </a:stretch>
@@ -20363,12 +20170,12 @@
           <a:graphicData uri="http://schemas.openxmlformats.org/presentationml/2006/ole">
             <mc:AlternateContent xmlns:mc="http://schemas.openxmlformats.org/markup-compatibility/2006">
               <mc:Choice xmlns:v="urn:schemas-microsoft-com:vml" Requires="v">
-                <p:oleObj spid="_x0000_s6175" r:id="rId4" imgW="5819775" imgH="1895475" progId="Paint.Picture">
+                <p:oleObj r:id="rId3" imgW="5819775" imgH="1895475" progId="Paint.Picture">
                   <p:embed/>
                 </p:oleObj>
               </mc:Choice>
               <mc:Fallback>
-                <p:oleObj r:id="rId4" imgW="5819775" imgH="1895475" progId="Paint.Picture">
+                <p:oleObj r:id="rId3" imgW="5819775" imgH="1895475" progId="Paint.Picture">
                   <p:embed/>
                   <p:pic>
                     <p:nvPicPr>
@@ -20377,7 +20184,7 @@
                       <p:nvPr/>
                     </p:nvPicPr>
                     <p:blipFill>
-                      <a:blip r:embed="rId5"/>
+                      <a:blip r:embed="rId4"/>
                       <a:stretch>
                         <a:fillRect/>
                       </a:stretch>
@@ -20439,13 +20246,6 @@
   <p:clrMapOvr>
     <a:masterClrMapping/>
   </p:clrMapOvr>
-  <p:timing>
-    <p:tnLst>
-      <p:par>
-        <p:cTn id="1" dur="indefinite" restart="never" nodeType="tmRoot"/>
-      </p:par>
-    </p:tnLst>
-  </p:timing>
 </p:sld>
 </file>
 
@@ -20847,7 +20647,7 @@
           <p:nvPr/>
         </p:nvPicPr>
         <p:blipFill>
-          <a:blip r:embed="rId3"/>
+          <a:blip r:embed="rId2"/>
           <a:stretch>
             <a:fillRect/>
           </a:stretch>
@@ -20916,12 +20716,12 @@
           <a:graphicData uri="http://schemas.openxmlformats.org/presentationml/2006/ole">
             <mc:AlternateContent xmlns:mc="http://schemas.openxmlformats.org/markup-compatibility/2006">
               <mc:Choice xmlns:v="urn:schemas-microsoft-com:vml" Requires="v">
-                <p:oleObj spid="_x0000_s7199" r:id="rId4" imgW="4371975" imgH="5857875" progId="Paint.Picture">
+                <p:oleObj r:id="rId3" imgW="4371975" imgH="5857875" progId="Paint.Picture">
                   <p:embed/>
                 </p:oleObj>
               </mc:Choice>
               <mc:Fallback>
-                <p:oleObj r:id="rId4" imgW="4371975" imgH="5857875" progId="Paint.Picture">
+                <p:oleObj r:id="rId3" imgW="4371975" imgH="5857875" progId="Paint.Picture">
                   <p:embed/>
                   <p:pic>
                     <p:nvPicPr>
@@ -20930,7 +20730,7 @@
                       <p:nvPr/>
                     </p:nvPicPr>
                     <p:blipFill>
-                      <a:blip r:embed="rId5"/>
+                      <a:blip r:embed="rId4"/>
                       <a:stretch>
                         <a:fillRect/>
                       </a:stretch>
@@ -20992,13 +20792,6 @@
   <p:clrMapOvr>
     <a:masterClrMapping/>
   </p:clrMapOvr>
-  <p:timing>
-    <p:tnLst>
-      <p:par>
-        <p:cTn id="1" dur="indefinite" restart="never" nodeType="tmRoot"/>
-      </p:par>
-    </p:tnLst>
-  </p:timing>
 </p:sld>
 </file>
 
@@ -21400,7 +21193,7 @@
           <p:nvPr/>
         </p:nvPicPr>
         <p:blipFill>
-          <a:blip r:embed="rId3"/>
+          <a:blip r:embed="rId2"/>
           <a:stretch>
             <a:fillRect/>
           </a:stretch>
@@ -21469,12 +21262,12 @@
           <a:graphicData uri="http://schemas.openxmlformats.org/presentationml/2006/ole">
             <mc:AlternateContent xmlns:mc="http://schemas.openxmlformats.org/markup-compatibility/2006">
               <mc:Choice xmlns:v="urn:schemas-microsoft-com:vml" Requires="v">
-                <p:oleObj spid="_x0000_s8223" r:id="rId4" imgW="4943475" imgH="3114675" progId="Paint.Picture">
+                <p:oleObj r:id="rId3" imgW="4943475" imgH="3114675" progId="Paint.Picture">
                   <p:embed/>
                 </p:oleObj>
               </mc:Choice>
               <mc:Fallback>
-                <p:oleObj r:id="rId4" imgW="4943475" imgH="3114675" progId="Paint.Picture">
+                <p:oleObj r:id="rId3" imgW="4943475" imgH="3114675" progId="Paint.Picture">
                   <p:embed/>
                   <p:pic>
                     <p:nvPicPr>
@@ -21483,7 +21276,7 @@
                       <p:nvPr/>
                     </p:nvPicPr>
                     <p:blipFill>
-                      <a:blip r:embed="rId5"/>
+                      <a:blip r:embed="rId4"/>
                       <a:stretch>
                         <a:fillRect/>
                       </a:stretch>
@@ -21580,13 +21373,6 @@
   <p:clrMapOvr>
     <a:masterClrMapping/>
   </p:clrMapOvr>
-  <p:timing>
-    <p:tnLst>
-      <p:par>
-        <p:cTn id="1" dur="indefinite" restart="never" nodeType="tmRoot"/>
-      </p:par>
-    </p:tnLst>
-  </p:timing>
 </p:sld>
 </file>
 
@@ -21988,7 +21774,7 @@
           <p:nvPr/>
         </p:nvPicPr>
         <p:blipFill>
-          <a:blip r:embed="rId3"/>
+          <a:blip r:embed="rId2"/>
           <a:stretch>
             <a:fillRect/>
           </a:stretch>
@@ -22086,12 +21872,12 @@
           <a:graphicData uri="http://schemas.openxmlformats.org/presentationml/2006/ole">
             <mc:AlternateContent xmlns:mc="http://schemas.openxmlformats.org/markup-compatibility/2006">
               <mc:Choice xmlns:v="urn:schemas-microsoft-com:vml" Requires="v">
-                <p:oleObj spid="_x0000_s9276" r:id="rId4" imgW="7019925" imgH="1552575" progId="Paint.Picture">
+                <p:oleObj r:id="rId3" imgW="7019925" imgH="1552575" progId="Paint.Picture">
                   <p:embed/>
                 </p:oleObj>
               </mc:Choice>
               <mc:Fallback>
-                <p:oleObj r:id="rId4" imgW="7019925" imgH="1552575" progId="Paint.Picture">
+                <p:oleObj r:id="rId3" imgW="7019925" imgH="1552575" progId="Paint.Picture">
                   <p:embed/>
                   <p:pic>
                     <p:nvPicPr>
@@ -22100,7 +21886,7 @@
                       <p:nvPr/>
                     </p:nvPicPr>
                     <p:blipFill>
-                      <a:blip r:embed="rId5"/>
+                      <a:blip r:embed="rId4"/>
                       <a:stretch>
                         <a:fillRect/>
                       </a:stretch>
@@ -22135,12 +21921,12 @@
           <a:graphicData uri="http://schemas.openxmlformats.org/presentationml/2006/ole">
             <mc:AlternateContent xmlns:mc="http://schemas.openxmlformats.org/markup-compatibility/2006">
               <mc:Choice xmlns:v="urn:schemas-microsoft-com:vml" Requires="v">
-                <p:oleObj spid="_x0000_s9277" r:id="rId6" imgW="6657975" imgH="3457575" progId="Paint.Picture">
+                <p:oleObj r:id="rId5" imgW="6657975" imgH="3457575" progId="Paint.Picture">
                   <p:embed/>
                 </p:oleObj>
               </mc:Choice>
               <mc:Fallback>
-                <p:oleObj r:id="rId6" imgW="6657975" imgH="3457575" progId="Paint.Picture">
+                <p:oleObj r:id="rId5" imgW="6657975" imgH="3457575" progId="Paint.Picture">
                   <p:embed/>
                   <p:pic>
                     <p:nvPicPr>
@@ -22149,7 +21935,7 @@
                       <p:nvPr/>
                     </p:nvPicPr>
                     <p:blipFill>
-                      <a:blip r:embed="rId7"/>
+                      <a:blip r:embed="rId6"/>
                       <a:stretch>
                         <a:fillRect/>
                       </a:stretch>
@@ -22211,13 +21997,6 @@
   <p:clrMapOvr>
     <a:masterClrMapping/>
   </p:clrMapOvr>
-  <p:timing>
-    <p:tnLst>
-      <p:par>
-        <p:cTn id="1" dur="indefinite" restart="never" nodeType="tmRoot"/>
-      </p:par>
-    </p:tnLst>
-  </p:timing>
 </p:sld>
 </file>
 
@@ -22619,7 +22398,7 @@
           <p:nvPr/>
         </p:nvPicPr>
         <p:blipFill>
-          <a:blip r:embed="rId3"/>
+          <a:blip r:embed="rId2"/>
           <a:stretch>
             <a:fillRect/>
           </a:stretch>
@@ -22717,12 +22496,12 @@
           <a:graphicData uri="http://schemas.openxmlformats.org/presentationml/2006/ole">
             <mc:AlternateContent xmlns:mc="http://schemas.openxmlformats.org/markup-compatibility/2006">
               <mc:Choice xmlns:v="urn:schemas-microsoft-com:vml" Requires="v">
-                <p:oleObj spid="_x0000_s10300" r:id="rId4" imgW="5838825" imgH="1400175" progId="Paint.Picture">
+                <p:oleObj r:id="rId3" imgW="5838825" imgH="1400175" progId="Paint.Picture">
                   <p:embed/>
                 </p:oleObj>
               </mc:Choice>
               <mc:Fallback>
-                <p:oleObj r:id="rId4" imgW="5838825" imgH="1400175" progId="Paint.Picture">
+                <p:oleObj r:id="rId3" imgW="5838825" imgH="1400175" progId="Paint.Picture">
                   <p:embed/>
                   <p:pic>
                     <p:nvPicPr>
@@ -22731,7 +22510,7 @@
                       <p:nvPr/>
                     </p:nvPicPr>
                     <p:blipFill>
-                      <a:blip r:embed="rId5"/>
+                      <a:blip r:embed="rId4"/>
                       <a:stretch>
                         <a:fillRect/>
                       </a:stretch>
@@ -22766,12 +22545,12 @@
           <a:graphicData uri="http://schemas.openxmlformats.org/presentationml/2006/ole">
             <mc:AlternateContent xmlns:mc="http://schemas.openxmlformats.org/markup-compatibility/2006">
               <mc:Choice xmlns:v="urn:schemas-microsoft-com:vml" Requires="v">
-                <p:oleObj spid="_x0000_s10301" r:id="rId6" imgW="6638925" imgH="2886075" progId="Paint.Picture">
+                <p:oleObj r:id="rId5" imgW="6638925" imgH="2886075" progId="Paint.Picture">
                   <p:embed/>
                 </p:oleObj>
               </mc:Choice>
               <mc:Fallback>
-                <p:oleObj r:id="rId6" imgW="6638925" imgH="2886075" progId="Paint.Picture">
+                <p:oleObj r:id="rId5" imgW="6638925" imgH="2886075" progId="Paint.Picture">
                   <p:embed/>
                   <p:pic>
                     <p:nvPicPr>
@@ -22780,7 +22559,7 @@
                       <p:nvPr/>
                     </p:nvPicPr>
                     <p:blipFill>
-                      <a:blip r:embed="rId7"/>
+                      <a:blip r:embed="rId6"/>
                       <a:stretch>
                         <a:fillRect/>
                       </a:stretch>
@@ -22842,13 +22621,6 @@
   <p:clrMapOvr>
     <a:masterClrMapping/>
   </p:clrMapOvr>
-  <p:timing>
-    <p:tnLst>
-      <p:par>
-        <p:cTn id="1" dur="indefinite" restart="never" nodeType="tmRoot"/>
-      </p:par>
-    </p:tnLst>
-  </p:timing>
 </p:sld>
 </file>
 
@@ -23342,17 +23114,6 @@
               <a:t>instructor: </a:t>
             </a:r>
             <a:r>
-              <a:rPr lang="en-US" altLang="zh-CN" sz="2400" dirty="0" smtClean="0">
-                <a:solidFill>
-                  <a:srgbClr val="262626"/>
-                </a:solidFill>
-                <a:latin typeface="Verdana" panose="020B0604030504040204" pitchFamily="34" charset="0"/>
-                <a:ea typeface="Verdana" panose="020B0604030504040204" pitchFamily="34" charset="0"/>
-                <a:sym typeface="Arial" panose="020B0604020202020204" pitchFamily="34" charset="0"/>
-              </a:rPr>
-              <a:t>Anirudha </a:t>
-            </a:r>
-            <a:r>
               <a:rPr lang="en-US" altLang="zh-CN" sz="2400" dirty="0">
                 <a:solidFill>
                   <a:srgbClr val="262626"/>
@@ -23361,7 +23122,7 @@
                 <a:ea typeface="Verdana" panose="020B0604030504040204" pitchFamily="34" charset="0"/>
                 <a:sym typeface="Arial" panose="020B0604020202020204" pitchFamily="34" charset="0"/>
               </a:rPr>
-              <a:t>Anil Gaikwad</a:t>
+              <a:t>Anirudha Anil Gaikwad</a:t>
             </a:r>
             <a:r>
               <a:rPr lang="zh-CN" altLang="en-US" sz="2400" dirty="0">
@@ -23418,13 +23179,6 @@
   <p:clrMapOvr>
     <a:masterClrMapping/>
   </p:clrMapOvr>
-  <p:timing>
-    <p:tnLst>
-      <p:par>
-        <p:cTn id="1" dur="indefinite" restart="never" nodeType="tmRoot"/>
-      </p:par>
-    </p:tnLst>
-  </p:timing>
 </p:sld>
 </file>
 
@@ -23875,13 +23629,6 @@
   <p:clrMapOvr>
     <a:masterClrMapping/>
   </p:clrMapOvr>
-  <p:timing>
-    <p:tnLst>
-      <p:par>
-        <p:cTn id="1" dur="indefinite" restart="never" nodeType="tmRoot"/>
-      </p:par>
-    </p:tnLst>
-  </p:timing>
 </p:sld>
 </file>
 
@@ -24481,13 +24228,6 @@
   <p:clrMapOvr>
     <a:masterClrMapping/>
   </p:clrMapOvr>
-  <p:timing>
-    <p:tnLst>
-      <p:par>
-        <p:cTn id="1" dur="indefinite" restart="never" nodeType="tmRoot"/>
-      </p:par>
-    </p:tnLst>
-  </p:timing>
 </p:sld>
 </file>
 
@@ -25062,13 +24802,6 @@
   <p:clrMapOvr>
     <a:masterClrMapping/>
   </p:clrMapOvr>
-  <p:timing>
-    <p:tnLst>
-      <p:par>
-        <p:cTn id="1" dur="indefinite" restart="never" nodeType="tmRoot"/>
-      </p:par>
-    </p:tnLst>
-  </p:timing>
 </p:sld>
 </file>
 
@@ -25624,19 +25357,14 @@
           <a:p>
             <a:r>
               <a:rPr lang="en-US" sz="2000" dirty="0"/>
-              <a:t>Python 3.7		June 27, </a:t>
+              <a:t>Python 3.7		June 27, 2018</a:t>
             </a:r>
+          </a:p>
+          <a:p>
             <a:r>
-              <a:rPr lang="en-US" sz="2000" dirty="0" smtClean="0"/>
-              <a:t>2018</a:t>
-            </a:r>
-          </a:p>
-          <a:p>
-            <a:r>
-              <a:rPr lang="en-US" sz="2000" dirty="0" smtClean="0"/>
+              <a:rPr lang="en-US" sz="2000" dirty="0"/>
               <a:t>Python 3.8                            October 14,2019</a:t>
             </a:r>
-            <a:endParaRPr lang="en-US" sz="2000" dirty="0"/>
           </a:p>
         </p:txBody>
       </p:sp>
@@ -25676,13 +25404,6 @@
   <p:clrMapOvr>
     <a:masterClrMapping/>
   </p:clrMapOvr>
-  <p:timing>
-    <p:tnLst>
-      <p:par>
-        <p:cTn id="1" dur="indefinite" restart="never" nodeType="tmRoot"/>
-      </p:par>
-    </p:tnLst>
-  </p:timing>
 </p:sld>
 </file>
 
@@ -26253,13 +25974,6 @@
   <p:clrMapOvr>
     <a:masterClrMapping/>
   </p:clrMapOvr>
-  <p:timing>
-    <p:tnLst>
-      <p:par>
-        <p:cTn id="1" dur="indefinite" restart="never" nodeType="tmRoot"/>
-      </p:par>
-    </p:tnLst>
-  </p:timing>
 </p:sld>
 </file>
 
@@ -26874,13 +26588,6 @@
   <p:clrMapOvr>
     <a:masterClrMapping/>
   </p:clrMapOvr>
-  <p:timing>
-    <p:tnLst>
-      <p:par>
-        <p:cTn id="1" dur="indefinite" restart="never" nodeType="tmRoot"/>
-      </p:par>
-    </p:tnLst>
-  </p:timing>
 </p:sld>
 </file>
 
@@ -27464,13 +27171,6 @@
   <p:clrMapOvr>
     <a:masterClrMapping/>
   </p:clrMapOvr>
-  <p:timing>
-    <p:tnLst>
-      <p:par>
-        <p:cTn id="1" dur="indefinite" restart="never" nodeType="tmRoot"/>
-      </p:par>
-    </p:tnLst>
-  </p:timing>
 </p:sld>
 </file>
 
